--- a/презентация pygame.pptx
+++ b/презентация pygame.pptx
@@ -3922,24 +3922,18 @@
           <a:bodyPr/>
           <a:lstStyle/>
           <a:p>
-            <a:pPr algn="just"/>
             <a:r>
               <a:rPr lang="ru-RU" sz="2000" b="0" dirty="0"/>
-              <a:t>Главной целью </a:t>
-            </a:r>
-            <a:r>
-              <a:rPr lang="ru-RU" sz="2000" b="0" dirty="0" smtClean="0"/>
-              <a:t>проекта является </a:t>
+              <a:t>Целью проекта "</a:t>
+            </a:r>
+            <a:r>
+              <a:rPr lang="ru-RU" sz="2000" b="0" dirty="0" err="1"/>
+              <a:t>КоBun</a:t>
             </a:r>
             <a:r>
               <a:rPr lang="ru-RU" sz="2000" b="0" dirty="0"/>
-              <a:t>создание </a:t>
-            </a:r>
-            <a:r>
-              <a:rPr lang="ru-RU" sz="2000" b="0" dirty="0" smtClean="0"/>
-              <a:t>весёлой и увлекательной игры, способствующей поднятию настроения, развитию быстроты мышления и скорости реакции.</a:t>
-            </a:r>
-            <a:endParaRPr lang="ru-RU" sz="2000" b="0" dirty="0"/>
+              <a:t>" является разработка игры на клетчатом поле, предоставляющей пользователю интересные и захватывающие игровые сценарии. Главной задачей игрока будет выбраться из лабиринта, избегая встреч с враждебными персонажами. </a:t>
+            </a:r>
           </a:p>
         </p:txBody>
       </p:sp>
@@ -5547,17 +5541,17 @@
 <ds:datastoreItem xmlns:ds="http://schemas.openxmlformats.org/officeDocument/2006/customXml" ds:itemID="{ACD97AF3-310A-4DBA-AAE4-E94EC92F74FE}">
   <ds:schemaRefs>
     <ds:schemaRef ds:uri="http://schemas.microsoft.com/office/2006/documentManagement/types"/>
+    <ds:schemaRef ds:uri="16c05727-aa75-4e4a-9b5f-8a80a1165891"/>
     <ds:schemaRef ds:uri="http://purl.org/dc/elements/1.1/"/>
     <ds:schemaRef ds:uri="http://schemas.microsoft.com/office/2006/metadata/properties"/>
+    <ds:schemaRef ds:uri="http://schemas.openxmlformats.org/package/2006/metadata/core-properties"/>
     <ds:schemaRef ds:uri="http://schemas.microsoft.com/sharepoint/v3"/>
+    <ds:schemaRef ds:uri="http://schemas.microsoft.com/office/infopath/2007/PartnerControls"/>
+    <ds:schemaRef ds:uri="http://purl.org/dc/terms/"/>
     <ds:schemaRef ds:uri="230e9df3-be65-4c73-a93b-d1236ebd677e"/>
-    <ds:schemaRef ds:uri="http://purl.org/dc/terms/"/>
-    <ds:schemaRef ds:uri="http://schemas.openxmlformats.org/package/2006/metadata/core-properties"/>
-    <ds:schemaRef ds:uri="16c05727-aa75-4e4a-9b5f-8a80a1165891"/>
-    <ds:schemaRef ds:uri="http://purl.org/dc/dcmitype/"/>
-    <ds:schemaRef ds:uri="http://schemas.microsoft.com/office/infopath/2007/PartnerControls"/>
     <ds:schemaRef ds:uri="71af3243-3dd4-4a8d-8c0d-dd76da1f02a5"/>
     <ds:schemaRef ds:uri="http://www.w3.org/XML/1998/namespace"/>
+    <ds:schemaRef ds:uri="http://purl.org/dc/dcmitype/"/>
   </ds:schemaRefs>
 </ds:datastoreItem>
 </file>

--- a/презентация pygame.pptx
+++ b/презентация pygame.pptx
@@ -4042,6 +4042,13 @@
       </p:transition>
     </mc:Fallback>
   </mc:AlternateContent>
+  <p:timing>
+    <p:tnLst>
+      <p:par>
+        <p:cTn id="1" dur="indefinite" restart="never" nodeType="tmRoot"/>
+      </p:par>
+    </p:tnLst>
+  </p:timing>
 </p:sld>
 </file>
 
@@ -4157,6 +4164,13 @@
       </p:transition>
     </mc:Fallback>
   </mc:AlternateContent>
+  <p:timing>
+    <p:tnLst>
+      <p:par>
+        <p:cTn id="1" dur="indefinite" restart="never" nodeType="tmRoot"/>
+      </p:par>
+    </p:tnLst>
+  </p:timing>
 </p:sld>
 </file>
 
@@ -4309,6 +4323,13 @@
       </p:transition>
     </mc:Fallback>
   </mc:AlternateContent>
+  <p:timing>
+    <p:tnLst>
+      <p:par>
+        <p:cTn id="1" dur="indefinite" restart="never" nodeType="tmRoot"/>
+      </p:par>
+    </p:tnLst>
+  </p:timing>
 </p:sld>
 </file>
 
@@ -4550,7 +4571,11 @@
           <a:p>
             <a:r>
               <a:rPr lang="ru-RU" sz="2000" b="0" dirty="0" smtClean="0"/>
-              <a:t>Игрок должен пройти через весь лабиринт, не попавшись ни одному из зверей. Игра считается пройденной успешно, когда колобок достигает выхода из лабиринта (обозначается красным квадратиком)</a:t>
+              <a:t>Игрок должен пройти через весь лабиринт, не попавшись ни одному из зверей. Игра считается пройденной успешно, когда колобок достигает выхода из лабиринта (обозначается </a:t>
+            </a:r>
+            <a:r>
+              <a:rPr lang="ru-RU" sz="2000" b="0" smtClean="0"/>
+              <a:t>как чёрная дверь)</a:t>
             </a:r>
             <a:endParaRPr lang="en-US" sz="2000" b="0" dirty="0">
               <a:solidFill>
@@ -4629,6 +4654,13 @@
       </p:transition>
     </mc:Fallback>
   </mc:AlternateContent>
+  <p:timing>
+    <p:tnLst>
+      <p:par>
+        <p:cTn id="1" dur="indefinite" restart="never" nodeType="tmRoot"/>
+      </p:par>
+    </p:tnLst>
+  </p:timing>
 </p:sld>
 </file>
 

--- a/презентация pygame.pptx
+++ b/презентация pygame.pptx
@@ -3915,7 +3915,7 @@
         <p:spPr>
           <a:xfrm>
             <a:off x="762000" y="1905000"/>
-            <a:ext cx="5709138" cy="2623038"/>
+            <a:ext cx="5709138" cy="3977054"/>
           </a:xfrm>
         </p:spPr>
         <p:txBody>
@@ -3934,6 +3934,41 @@
               <a:rPr lang="ru-RU" sz="2000" b="0" dirty="0"/>
               <a:t>" является разработка игры на клетчатом поле, предоставляющей пользователю интересные и захватывающие игровые сценарии. Главной задачей игрока будет выбраться из лабиринта, избегая встреч с враждебными персонажами. </a:t>
             </a:r>
+            <a:endParaRPr lang="en-US" sz="2000" b="0" dirty="0" smtClean="0"/>
+          </a:p>
+          <a:p>
+            <a:r>
+              <a:rPr lang="ru-RU" sz="2000" b="0" dirty="0" smtClean="0"/>
+              <a:t>Задачи:</a:t>
+            </a:r>
+          </a:p>
+          <a:p>
+            <a:pPr marL="457200" indent="-457200">
+              <a:buAutoNum type="arabicPeriod"/>
+            </a:pPr>
+            <a:r>
+              <a:rPr lang="ru-RU" sz="2000" b="0" dirty="0" smtClean="0"/>
+              <a:t>Придумать концепцию игры</a:t>
+            </a:r>
+          </a:p>
+          <a:p>
+            <a:pPr marL="457200" indent="-457200">
+              <a:buAutoNum type="arabicPeriod"/>
+            </a:pPr>
+            <a:r>
+              <a:rPr lang="ru-RU" sz="2000" b="0" dirty="0" smtClean="0"/>
+              <a:t>Создать персонажей</a:t>
+            </a:r>
+          </a:p>
+          <a:p>
+            <a:pPr marL="457200" indent="-457200">
+              <a:buAutoNum type="arabicPeriod"/>
+            </a:pPr>
+            <a:r>
+              <a:rPr lang="ru-RU" sz="2000" b="0" smtClean="0"/>
+              <a:t>Реализовать функционал</a:t>
+            </a:r>
+            <a:endParaRPr lang="ru-RU" sz="2000" b="0" dirty="0"/>
           </a:p>
         </p:txBody>
       </p:sp>
@@ -4571,11 +4606,7 @@
           <a:p>
             <a:r>
               <a:rPr lang="ru-RU" sz="2000" b="0" dirty="0" smtClean="0"/>
-              <a:t>Игрок должен пройти через весь лабиринт, не попавшись ни одному из зверей. Игра считается пройденной успешно, когда колобок достигает выхода из лабиринта (обозначается </a:t>
-            </a:r>
-            <a:r>
-              <a:rPr lang="ru-RU" sz="2000" b="0" smtClean="0"/>
-              <a:t>как чёрная дверь)</a:t>
+              <a:t>Игрок должен пройти через весь лабиринт, не попавшись ни одному из зверей. Игра считается пройденной успешно, когда колобок достигает выхода из лабиринта (обозначается как чёрная дверь)</a:t>
             </a:r>
             <a:endParaRPr lang="en-US" sz="2000" b="0" dirty="0">
               <a:solidFill>
